--- a/Présenation/Presentation.pptx
+++ b/Présenation/Presentation.pptx
@@ -33,7 +33,7 @@
     <p:sldId id="277" r:id="rId24"/>
   </p:sldIdLst>
   <p:sldSz cx="9144000" cy="6858000" type="screen4x3"/>
-  <p:notesSz cx="6858000" cy="9144000"/>
+  <p:notesSz cx="6884988" cy="10018713"/>
   <p:defaultTextStyle>
     <a:defPPr>
       <a:defRPr lang="fr-FR"/>
@@ -15874,17 +15874,17 @@
         <p:spPr>
           <a:xfrm>
             <a:off x="0" y="0"/>
-            <a:ext cx="2971800" cy="457200"/>
+            <a:ext cx="2983495" cy="500936"/>
           </a:xfrm>
           <a:prstGeom prst="rect">
             <a:avLst/>
           </a:prstGeom>
         </p:spPr>
         <p:txBody>
-          <a:bodyPr vert="horz" lIns="91440" tIns="45720" rIns="91440" bIns="45720" rtlCol="0"/>
+          <a:bodyPr vert="horz" lIns="96588" tIns="48294" rIns="96588" bIns="48294" rtlCol="0"/>
           <a:lstStyle>
             <a:lvl1pPr algn="l">
-              <a:defRPr sz="1200"/>
+              <a:defRPr sz="1300"/>
             </a:lvl1pPr>
           </a:lstStyle>
           <a:p>
@@ -15904,18 +15904,18 @@
         </p:nvSpPr>
         <p:spPr>
           <a:xfrm>
-            <a:off x="3884613" y="0"/>
-            <a:ext cx="2971800" cy="457200"/>
+            <a:off x="3899900" y="0"/>
+            <a:ext cx="2983495" cy="500936"/>
           </a:xfrm>
           <a:prstGeom prst="rect">
             <a:avLst/>
           </a:prstGeom>
         </p:spPr>
         <p:txBody>
-          <a:bodyPr vert="horz" lIns="91440" tIns="45720" rIns="91440" bIns="45720" rtlCol="0"/>
+          <a:bodyPr vert="horz" lIns="96588" tIns="48294" rIns="96588" bIns="48294" rtlCol="0"/>
           <a:lstStyle>
             <a:lvl1pPr algn="r">
-              <a:defRPr sz="1200"/>
+              <a:defRPr sz="1300"/>
             </a:lvl1pPr>
           </a:lstStyle>
           <a:p>
@@ -15940,8 +15940,8 @@
         </p:nvSpPr>
         <p:spPr>
           <a:xfrm>
-            <a:off x="1143000" y="685800"/>
-            <a:ext cx="4572000" cy="3429000"/>
+            <a:off x="938213" y="750888"/>
+            <a:ext cx="5008562" cy="3757612"/>
           </a:xfrm>
           <a:prstGeom prst="rect">
             <a:avLst/>
@@ -15954,7 +15954,7 @@
           </a:ln>
         </p:spPr>
         <p:txBody>
-          <a:bodyPr vert="horz" lIns="91440" tIns="45720" rIns="91440" bIns="45720" rtlCol="0" anchor="ctr"/>
+          <a:bodyPr vert="horz" lIns="96588" tIns="48294" rIns="96588" bIns="48294" rtlCol="0" anchor="ctr"/>
           <a:lstStyle/>
           <a:p>
             <a:endParaRPr lang="fr-FR"/>
@@ -15973,15 +15973,15 @@
         </p:nvSpPr>
         <p:spPr>
           <a:xfrm>
-            <a:off x="685800" y="4343400"/>
-            <a:ext cx="5486400" cy="4114800"/>
+            <a:off x="688499" y="4758889"/>
+            <a:ext cx="5507990" cy="4508421"/>
           </a:xfrm>
           <a:prstGeom prst="rect">
             <a:avLst/>
           </a:prstGeom>
         </p:spPr>
         <p:txBody>
-          <a:bodyPr vert="horz" lIns="91440" tIns="45720" rIns="91440" bIns="45720" rtlCol="0">
+          <a:bodyPr vert="horz" lIns="96588" tIns="48294" rIns="96588" bIns="48294" rtlCol="0">
             <a:normAutofit/>
           </a:bodyPr>
           <a:lstStyle/>
@@ -16035,18 +16035,18 @@
         </p:nvSpPr>
         <p:spPr>
           <a:xfrm>
-            <a:off x="0" y="8685213"/>
-            <a:ext cx="2971800" cy="457200"/>
+            <a:off x="0" y="9516038"/>
+            <a:ext cx="2983495" cy="500936"/>
           </a:xfrm>
           <a:prstGeom prst="rect">
             <a:avLst/>
           </a:prstGeom>
         </p:spPr>
         <p:txBody>
-          <a:bodyPr vert="horz" lIns="91440" tIns="45720" rIns="91440" bIns="45720" rtlCol="0" anchor="b"/>
+          <a:bodyPr vert="horz" lIns="96588" tIns="48294" rIns="96588" bIns="48294" rtlCol="0" anchor="b"/>
           <a:lstStyle>
             <a:lvl1pPr algn="l">
-              <a:defRPr sz="1200"/>
+              <a:defRPr sz="1300"/>
             </a:lvl1pPr>
           </a:lstStyle>
           <a:p>
@@ -16066,18 +16066,18 @@
         </p:nvSpPr>
         <p:spPr>
           <a:xfrm>
-            <a:off x="3884613" y="8685213"/>
-            <a:ext cx="2971800" cy="457200"/>
+            <a:off x="3899900" y="9516038"/>
+            <a:ext cx="2983495" cy="500936"/>
           </a:xfrm>
           <a:prstGeom prst="rect">
             <a:avLst/>
           </a:prstGeom>
         </p:spPr>
         <p:txBody>
-          <a:bodyPr vert="horz" lIns="91440" tIns="45720" rIns="91440" bIns="45720" rtlCol="0" anchor="b"/>
+          <a:bodyPr vert="horz" lIns="96588" tIns="48294" rIns="96588" bIns="48294" rtlCol="0" anchor="b"/>
           <a:lstStyle>
             <a:lvl1pPr algn="r">
-              <a:defRPr sz="1200"/>
+              <a:defRPr sz="1300"/>
             </a:lvl1pPr>
           </a:lstStyle>
           <a:p>
@@ -16234,6 +16234,10 @@
           </a:bodyPr>
           <a:lstStyle/>
           <a:p>
+            <a:r>
+              <a:rPr lang="fr-FR" dirty="0" smtClean="0"/>
+              <a:t>Franck</a:t>
+            </a:r>
             <a:endParaRPr lang="fr-FR" dirty="0"/>
           </a:p>
         </p:txBody>
@@ -16326,7 +16330,25 @@
             </a:r>
             <a:r>
               <a:rPr lang="fr-FR" dirty="0" smtClean="0"/>
-              <a:t> avec un design original et coloré.</a:t>
+              <a:t> avec un design </a:t>
+            </a:r>
+            <a:r>
+              <a:rPr lang="fr-FR" dirty="0" smtClean="0"/>
+              <a:t>original </a:t>
+            </a:r>
+            <a:r>
+              <a:rPr lang="fr-FR" dirty="0" smtClean="0"/>
+              <a:t>et coloré</a:t>
+            </a:r>
+            <a:r>
+              <a:rPr lang="fr-FR" dirty="0" smtClean="0"/>
+              <a:t>.</a:t>
+            </a:r>
+          </a:p>
+          <a:p>
+            <a:r>
+              <a:rPr lang="fr-FR" dirty="0" smtClean="0"/>
+              <a:t>Jonathan</a:t>
             </a:r>
             <a:endParaRPr lang="fr-FR" dirty="0"/>
           </a:p>
@@ -16418,6 +16440,13 @@
               <a:rPr lang="fr-FR" baseline="0" dirty="0" smtClean="0"/>
               <a:t> besoin pour la partie visite interactive est donc d’enrichir le contenu des expositions. Pouvoir ajouter des vidéos, des descriptions et des images a propos des expositions et des œuvres pour les mettre à la disposition des visiteurs. </a:t>
             </a:r>
+            <a:endParaRPr lang="fr-FR" baseline="0" dirty="0" smtClean="0"/>
+          </a:p>
+          <a:p>
+            <a:r>
+              <a:rPr lang="fr-FR" baseline="0" dirty="0" smtClean="0"/>
+              <a:t>Franck</a:t>
+            </a:r>
             <a:endParaRPr lang="fr-FR" dirty="0"/>
           </a:p>
         </p:txBody>
@@ -16534,7 +16563,15 @@
             </a:r>
             <a:r>
               <a:rPr lang="fr-FR" dirty="0" smtClean="0"/>
-              <a:t> (je m'explique, ont prend en photo un </a:t>
+              <a:t> (je m'explique, </a:t>
+            </a:r>
+            <a:r>
+              <a:rPr lang="fr-FR" dirty="0" smtClean="0"/>
+              <a:t>ont </a:t>
+            </a:r>
+            <a:r>
+              <a:rPr lang="fr-FR" dirty="0" smtClean="0"/>
+              <a:t>prend en photo un </a:t>
             </a:r>
             <a:r>
               <a:rPr lang="fr-FR" dirty="0" err="1" smtClean="0"/>
@@ -16550,7 +16587,17 @@
             </a:r>
             <a:r>
               <a:rPr lang="fr-FR" dirty="0" smtClean="0"/>
-              <a:t> en question.</a:t>
+              <a:t> en question</a:t>
+            </a:r>
+            <a:r>
+              <a:rPr lang="fr-FR" dirty="0" smtClean="0"/>
+              <a:t>.</a:t>
+            </a:r>
+          </a:p>
+          <a:p>
+            <a:r>
+              <a:rPr lang="fr-FR" dirty="0" smtClean="0"/>
+              <a:t>Franck</a:t>
             </a:r>
             <a:endParaRPr lang="fr-FR" dirty="0"/>
           </a:p>
@@ -16718,7 +16765,17 @@
           <a:p>
             <a:r>
               <a:rPr lang="fr-FR" dirty="0" smtClean="0"/>
-              <a:t>Ceci est la page d'accueil du site de visite interactive destiné aux visiteur.</a:t>
+              <a:t>Ceci est la page d'accueil du site de visite interactive destiné aux visiteur</a:t>
+            </a:r>
+            <a:r>
+              <a:rPr lang="fr-FR" dirty="0" smtClean="0"/>
+              <a:t>.</a:t>
+            </a:r>
+          </a:p>
+          <a:p>
+            <a:r>
+              <a:rPr lang="fr-FR" dirty="0" smtClean="0"/>
+              <a:t>Franck</a:t>
             </a:r>
             <a:endParaRPr lang="fr-FR" dirty="0"/>
           </a:p>
@@ -16808,7 +16865,15 @@
             </a:r>
             <a:r>
               <a:rPr lang="fr-FR" baseline="0" dirty="0" smtClean="0"/>
-              <a:t> au long de ce projet, notre groupe à rencontrer des contraintes. Pour commencer pendant les jours de semaine étant données que nous travaillons en entreprise ou que nous soyons en cours la journée, nous pouvions nous avancer sur le projet que le soir. Etant donné que pour des raison géographique nous ne pouvions nous voir plus souvent des problèmes de connections sont alors survenu au cours de nos séance de travail, nous ralentissant également dans l’évolution du projet.  Le ralentissement majeur à été bien entendu l’apprentissage de Symfony et son adaptation, car nous sommes partie sur un </a:t>
+              <a:t> au long de ce projet, notre groupe à rencontrer des contraintes. Pour commencer pendant les jours de semaine étant données que nous travaillons en entreprise ou que nous soyons en cours la journée, nous pouvions nous avancer sur le projet que le soir. Etant donné que pour des raison géographique nous ne pouvions nous voir plus souvent des problèmes de connections sont alors survenu au cours de nos séance de travail, nous ralentissant également dans l’évolution du projet.  Le ralentissement majeur à été bien entendu l’apprentissage </a:t>
+            </a:r>
+            <a:r>
+              <a:rPr lang="fr-FR" baseline="0" dirty="0" smtClean="0"/>
+              <a:t>de </a:t>
+            </a:r>
+            <a:r>
+              <a:rPr lang="fr-FR" baseline="0" dirty="0" smtClean="0"/>
+              <a:t>Symfony et son adaptation, car nous sommes partie sur un </a:t>
             </a:r>
             <a:r>
               <a:rPr lang="fr-FR" baseline="0" dirty="0" err="1" smtClean="0"/>
@@ -16816,7 +16881,17 @@
             </a:r>
             <a:r>
               <a:rPr lang="fr-FR" baseline="0" dirty="0" smtClean="0"/>
-              <a:t> vu en cours pour essayer d’en approfondir nos connaissance. </a:t>
+              <a:t> vu en cours pour essayer d’en approfondir nos connaissance</a:t>
+            </a:r>
+            <a:r>
+              <a:rPr lang="fr-FR" baseline="0" dirty="0" smtClean="0"/>
+              <a:t>.</a:t>
+            </a:r>
+          </a:p>
+          <a:p>
+            <a:r>
+              <a:rPr lang="fr-FR" baseline="0" dirty="0" smtClean="0"/>
+              <a:t>Jonathan</a:t>
             </a:r>
             <a:endParaRPr lang="fr-FR" dirty="0"/>
           </a:p>
@@ -16900,7 +16975,11 @@
           </a:bodyPr>
           <a:lstStyle/>
           <a:p>
-            <a:endParaRPr lang="fr-FR"/>
+            <a:r>
+              <a:rPr lang="fr-FR" dirty="0" smtClean="0"/>
+              <a:t>Franck</a:t>
+            </a:r>
+            <a:endParaRPr lang="fr-FR" dirty="0"/>
           </a:p>
         </p:txBody>
       </p:sp>
@@ -16997,173 +17076,50 @@
               <a:t>Modèle : </a:t>
             </a:r>
             <a:r>
-              <a:rPr lang="fr-FR" sz="1200" b="0" i="0" kern="1200" dirty="0" smtClean="0">
-                <a:solidFill>
-                  <a:schemeClr val="tx1"/>
-                </a:solidFill>
-                <a:latin typeface="+mn-lt"/>
-                <a:ea typeface="+mn-ea"/>
-                <a:cs typeface="+mn-cs"/>
-              </a:rPr>
+              <a:rPr lang="fr-FR" sz="1300" dirty="0" smtClean="0"/>
               <a:t>cette partie gère les </a:t>
             </a:r>
             <a:r>
-              <a:rPr lang="fr-FR" sz="1200" b="0" i="1" kern="1200" dirty="0" smtClean="0">
-                <a:solidFill>
-                  <a:schemeClr val="tx1"/>
-                </a:solidFill>
-                <a:latin typeface="+mn-lt"/>
-                <a:ea typeface="+mn-ea"/>
-                <a:cs typeface="+mn-cs"/>
-              </a:rPr>
+              <a:rPr lang="fr-FR" sz="1300" i="1" dirty="0" smtClean="0"/>
               <a:t>données</a:t>
             </a:r>
             <a:r>
-              <a:rPr lang="fr-FR" sz="1200" b="0" i="0" kern="1200" dirty="0" smtClean="0">
-                <a:solidFill>
-                  <a:schemeClr val="tx1"/>
-                </a:solidFill>
-                <a:latin typeface="+mn-lt"/>
-                <a:ea typeface="+mn-ea"/>
-                <a:cs typeface="+mn-cs"/>
-              </a:rPr>
-              <a:t> de</a:t>
-            </a:r>
-            <a:r>
-              <a:rPr lang="fr-FR" sz="1200" b="0" i="0" kern="1200" baseline="0" dirty="0" smtClean="0">
-                <a:solidFill>
-                  <a:schemeClr val="tx1"/>
-                </a:solidFill>
-                <a:latin typeface="+mn-lt"/>
-                <a:ea typeface="+mn-ea"/>
-                <a:cs typeface="+mn-cs"/>
-              </a:rPr>
-              <a:t> l’application</a:t>
-            </a:r>
-            <a:r>
-              <a:rPr lang="fr-FR" sz="1200" b="0" i="0" kern="1200" dirty="0" smtClean="0">
-                <a:solidFill>
-                  <a:schemeClr val="tx1"/>
-                </a:solidFill>
-                <a:latin typeface="+mn-lt"/>
-                <a:ea typeface="+mn-ea"/>
-                <a:cs typeface="+mn-cs"/>
-              </a:rPr>
-              <a:t>. Son rôle est d'aller récupérer les informations directement dans la base de données, de les organiser et de les assembler pour qu'elles puissent ensuite être traitées par le contrôleur. On y trouve donc les requêtes SQL.</a:t>
-            </a:r>
-          </a:p>
-          <a:p>
-            <a:r>
-              <a:rPr lang="fr-FR" sz="1200" b="0" i="0" kern="1200" dirty="0" smtClean="0">
-                <a:solidFill>
-                  <a:schemeClr val="tx1"/>
-                </a:solidFill>
-                <a:latin typeface="+mn-lt"/>
-                <a:ea typeface="+mn-ea"/>
-                <a:cs typeface="+mn-cs"/>
-              </a:rPr>
-              <a:t>Vue</a:t>
-            </a:r>
-            <a:r>
-              <a:rPr lang="fr-FR" sz="1200" b="0" i="0" kern="1200" baseline="0" dirty="0" smtClean="0">
-                <a:solidFill>
-                  <a:schemeClr val="tx1"/>
-                </a:solidFill>
-                <a:latin typeface="+mn-lt"/>
-                <a:ea typeface="+mn-ea"/>
-                <a:cs typeface="+mn-cs"/>
-              </a:rPr>
-              <a:t> : </a:t>
-            </a:r>
-            <a:r>
-              <a:rPr lang="fr-FR" sz="1200" b="0" i="0" kern="1200" dirty="0" smtClean="0">
-                <a:solidFill>
-                  <a:schemeClr val="tx1"/>
-                </a:solidFill>
-                <a:latin typeface="+mn-lt"/>
-                <a:ea typeface="+mn-ea"/>
-                <a:cs typeface="+mn-cs"/>
-              </a:rPr>
-              <a:t>cette partie se concentre sur l'</a:t>
-            </a:r>
-            <a:r>
-              <a:rPr lang="fr-FR" sz="1200" b="0" i="1" kern="1200" dirty="0" smtClean="0">
-                <a:solidFill>
-                  <a:schemeClr val="tx1"/>
-                </a:solidFill>
-                <a:latin typeface="+mn-lt"/>
-                <a:ea typeface="+mn-ea"/>
-                <a:cs typeface="+mn-cs"/>
-              </a:rPr>
+              <a:rPr lang="fr-FR" sz="1300" dirty="0" smtClean="0"/>
+              <a:t> de l’application. Son rôle est d'aller récupérer les informations directement dans la base de données, de les organiser et de les assembler pour qu'elles puissent ensuite être traitées par le contrôleur. On y trouve donc les requêtes SQL.</a:t>
+            </a:r>
+          </a:p>
+          <a:p>
+            <a:r>
+              <a:rPr lang="fr-FR" sz="1300" dirty="0" smtClean="0"/>
+              <a:t>Vue : cette partie se concentre sur l'</a:t>
+            </a:r>
+            <a:r>
+              <a:rPr lang="fr-FR" sz="1300" i="1" dirty="0" smtClean="0"/>
               <a:t>affichage</a:t>
             </a:r>
             <a:r>
-              <a:rPr lang="fr-FR" sz="1200" b="0" i="0" kern="1200" dirty="0" smtClean="0">
-                <a:solidFill>
-                  <a:schemeClr val="tx1"/>
-                </a:solidFill>
-                <a:latin typeface="+mn-lt"/>
-                <a:ea typeface="+mn-ea"/>
-                <a:cs typeface="+mn-cs"/>
-              </a:rPr>
+              <a:rPr lang="fr-FR" sz="1300" dirty="0" smtClean="0"/>
               <a:t>. Elle ne fait presque aucun calcul et se contente de récupérer des variables pour savoir ce qu'elle doit afficher. On y trouve essentiellement du code HTML mais aussi quelques boucles et conditions PHP très simples, pour afficher par exemple la liste des expositions.</a:t>
             </a:r>
           </a:p>
           <a:p>
             <a:r>
-              <a:rPr lang="fr-FR" sz="1200" b="0" i="0" kern="1200" dirty="0" smtClean="0">
-                <a:solidFill>
-                  <a:schemeClr val="tx1"/>
-                </a:solidFill>
-                <a:latin typeface="+mn-lt"/>
-                <a:ea typeface="+mn-ea"/>
-                <a:cs typeface="+mn-cs"/>
-              </a:rPr>
-              <a:t>Controller</a:t>
-            </a:r>
-            <a:r>
-              <a:rPr lang="fr-FR" sz="1200" b="0" i="0" kern="1200" baseline="0" dirty="0" smtClean="0">
-                <a:solidFill>
-                  <a:schemeClr val="tx1"/>
-                </a:solidFill>
-                <a:latin typeface="+mn-lt"/>
-                <a:ea typeface="+mn-ea"/>
-                <a:cs typeface="+mn-cs"/>
-              </a:rPr>
-              <a:t> : </a:t>
-            </a:r>
-            <a:r>
-              <a:rPr lang="fr-FR" sz="1200" b="0" i="0" kern="1200" dirty="0" smtClean="0">
-                <a:solidFill>
-                  <a:schemeClr val="tx1"/>
-                </a:solidFill>
-                <a:latin typeface="+mn-lt"/>
-                <a:ea typeface="+mn-ea"/>
-                <a:cs typeface="+mn-cs"/>
-              </a:rPr>
-              <a:t>cette partie gère la logique du code qui prend des </a:t>
-            </a:r>
-            <a:r>
-              <a:rPr lang="fr-FR" sz="1200" b="0" i="1" kern="1200" dirty="0" smtClean="0">
-                <a:solidFill>
-                  <a:schemeClr val="tx1"/>
-                </a:solidFill>
-                <a:latin typeface="+mn-lt"/>
-                <a:ea typeface="+mn-ea"/>
-                <a:cs typeface="+mn-cs"/>
-              </a:rPr>
+              <a:rPr lang="fr-FR" sz="1300" dirty="0" smtClean="0"/>
+              <a:t>Controller : cette partie gère la logique du code qui prend des </a:t>
+            </a:r>
+            <a:r>
+              <a:rPr lang="fr-FR" sz="1300" i="1" dirty="0" smtClean="0"/>
               <a:t>décisions</a:t>
             </a:r>
             <a:r>
-              <a:rPr lang="fr-FR" sz="1200" b="0" i="0" kern="1200" dirty="0" smtClean="0">
-                <a:solidFill>
-                  <a:schemeClr val="tx1"/>
-                </a:solidFill>
-                <a:latin typeface="+mn-lt"/>
-                <a:ea typeface="+mn-ea"/>
-                <a:cs typeface="+mn-cs"/>
-              </a:rPr>
+              <a:rPr lang="fr-FR" sz="1300" dirty="0" smtClean="0"/>
               <a:t>. C'est en quelque sorte l'intermédiaire entre le modèle et la vue : le contrôleur va demander au modèle les données, les analyser, prendre des décisions et renvoyer le texte à afficher à la vue.</a:t>
+            </a:r>
+          </a:p>
+          <a:p>
+            <a:r>
+              <a:rPr lang="fr-FR" sz="1300" dirty="0" smtClean="0"/>
+              <a:t>Franck</a:t>
             </a:r>
           </a:p>
         </p:txBody>
@@ -17252,7 +17208,25 @@
             </a:r>
             <a:r>
               <a:rPr lang="fr-FR" baseline="0" dirty="0" smtClean="0"/>
-              <a:t> diagramme de Gantt représente le temps de départ estimé sans contrainte pour mener à bien l’ensemble du projet.</a:t>
+              <a:t> diagramme de </a:t>
+            </a:r>
+            <a:r>
+              <a:rPr lang="fr-FR" baseline="0" dirty="0" smtClean="0"/>
+              <a:t>Gantt </a:t>
+            </a:r>
+            <a:r>
+              <a:rPr lang="fr-FR" baseline="0" dirty="0" smtClean="0"/>
+              <a:t>représente le temps de départ estimé sans contrainte pour mener à bien l’ensemble du </a:t>
+            </a:r>
+            <a:r>
+              <a:rPr lang="fr-FR" baseline="0" dirty="0" smtClean="0"/>
+              <a:t>projet.</a:t>
+            </a:r>
+          </a:p>
+          <a:p>
+            <a:r>
+              <a:rPr lang="fr-FR" baseline="0" dirty="0" smtClean="0"/>
+              <a:t>Jonathan</a:t>
             </a:r>
             <a:endParaRPr lang="fr-FR" dirty="0"/>
           </a:p>
@@ -17336,7 +17310,11 @@
           </a:bodyPr>
           <a:lstStyle/>
           <a:p>
-            <a:endParaRPr lang="fr-FR"/>
+            <a:r>
+              <a:rPr lang="fr-FR" dirty="0" smtClean="0"/>
+              <a:t>Franck</a:t>
+            </a:r>
+            <a:endParaRPr lang="fr-FR" dirty="0"/>
           </a:p>
         </p:txBody>
       </p:sp>
@@ -17418,7 +17396,11 @@
           </a:bodyPr>
           <a:lstStyle/>
           <a:p>
-            <a:endParaRPr lang="fr-FR"/>
+            <a:r>
+              <a:rPr lang="fr-FR" dirty="0" smtClean="0"/>
+              <a:t>Franck</a:t>
+            </a:r>
+            <a:endParaRPr lang="fr-FR" dirty="0"/>
           </a:p>
         </p:txBody>
       </p:sp>
@@ -17500,7 +17482,11 @@
           </a:bodyPr>
           <a:lstStyle/>
           <a:p>
-            <a:endParaRPr lang="fr-FR"/>
+            <a:r>
+              <a:rPr lang="fr-FR" dirty="0" smtClean="0"/>
+              <a:t>Franck</a:t>
+            </a:r>
+            <a:endParaRPr lang="fr-FR" dirty="0"/>
           </a:p>
         </p:txBody>
       </p:sp>
@@ -17582,7 +17568,7 @@
           </a:bodyPr>
           <a:lstStyle/>
           <a:p>
-            <a:endParaRPr lang="fr-FR"/>
+            <a:endParaRPr lang="fr-FR" dirty="0"/>
           </a:p>
         </p:txBody>
       </p:sp>
@@ -17664,7 +17650,95 @@
           </a:bodyPr>
           <a:lstStyle/>
           <a:p>
-            <a:endParaRPr lang="fr-FR"/>
+            <a:r>
+              <a:rPr lang="fr-FR" dirty="0" smtClean="0"/>
+              <a:t>Malgré une contrainte de temps, nous avons réussi à répondre à un grand nombre de besoin demander par le client. Mais nous sommes conscient que nous aurions pu mieux faire. </a:t>
+            </a:r>
+          </a:p>
+          <a:p>
+            <a:r>
+              <a:rPr lang="fr-FR" dirty="0" smtClean="0"/>
+              <a:t>L'association Grand Angle va pouvoir gérer ses expositions en toute sérénité grâce au système d'alerte de l'application.</a:t>
+            </a:r>
+          </a:p>
+          <a:p>
+            <a:r>
+              <a:rPr lang="fr-FR" dirty="0" smtClean="0"/>
+              <a:t>Du</a:t>
+            </a:r>
+            <a:r>
+              <a:rPr lang="fr-FR" baseline="0" dirty="0" smtClean="0"/>
+              <a:t> aux nombreux ralentissements auxquels nous avons dus faire face, nous nous sommes entièrement consacré au module gestion afin d’automatisé un maximum la gestion des expositions. Le module de visite interactive n’a pu </a:t>
+            </a:r>
+            <a:r>
+              <a:rPr lang="fr-FR" baseline="0" dirty="0" smtClean="0"/>
+              <a:t>malheureusement pas </a:t>
+            </a:r>
+            <a:r>
+              <a:rPr lang="fr-FR" baseline="0" dirty="0" smtClean="0"/>
+              <a:t>être complété. Il nous manque le plan interactif prévu au départ ainsi que les informations concernant l’exposition en cours</a:t>
+            </a:r>
+            <a:r>
+              <a:rPr lang="fr-FR" baseline="0" dirty="0" smtClean="0"/>
+              <a:t>.</a:t>
+            </a:r>
+            <a:endParaRPr lang="fr-FR" baseline="0" dirty="0"/>
+          </a:p>
+          <a:p>
+            <a:r>
+              <a:rPr lang="fr-FR" baseline="0" dirty="0" smtClean="0"/>
+              <a:t>Option manquante:</a:t>
+            </a:r>
+          </a:p>
+          <a:p>
+            <a:pPr>
+              <a:buFontTx/>
+              <a:buChar char="-"/>
+            </a:pPr>
+            <a:r>
+              <a:rPr lang="fr-FR" baseline="0" dirty="0" smtClean="0"/>
+              <a:t>Traduction du site et maintiens </a:t>
+            </a:r>
+          </a:p>
+          <a:p>
+            <a:pPr>
+              <a:buFontTx/>
+              <a:buChar char="-"/>
+            </a:pPr>
+            <a:r>
+              <a:rPr lang="fr-FR" baseline="0" dirty="0" smtClean="0"/>
+              <a:t>Le plan interactif</a:t>
+            </a:r>
+          </a:p>
+          <a:p>
+            <a:pPr>
+              <a:buFontTx/>
+              <a:buNone/>
+            </a:pPr>
+            <a:r>
+              <a:rPr lang="fr-FR" baseline="0" dirty="0" smtClean="0"/>
+              <a:t>-le calcule de nombre de vu sur les expositions</a:t>
+            </a:r>
+          </a:p>
+          <a:p>
+            <a:pPr>
+              <a:buFontTx/>
+              <a:buNone/>
+            </a:pPr>
+            <a:r>
+              <a:rPr lang="fr-FR" baseline="0" dirty="0" smtClean="0"/>
+              <a:t>-le calcule du nombre de vu ne concernant pas les œuvres de l’exposition en cours</a:t>
+            </a:r>
+          </a:p>
+          <a:p>
+            <a:pPr>
+              <a:buFontTx/>
+              <a:buNone/>
+            </a:pPr>
+            <a:r>
+              <a:rPr lang="fr-FR" baseline="0" dirty="0" smtClean="0"/>
+              <a:t>Franck</a:t>
+            </a:r>
           </a:p>
         </p:txBody>
       </p:sp>
@@ -17828,7 +17902,11 @@
           </a:bodyPr>
           <a:lstStyle/>
           <a:p>
-            <a:endParaRPr lang="fr-FR"/>
+            <a:r>
+              <a:rPr lang="fr-FR" dirty="0" smtClean="0"/>
+              <a:t>Franck</a:t>
+            </a:r>
+            <a:endParaRPr lang="fr-FR" dirty="0"/>
           </a:p>
         </p:txBody>
       </p:sp>
@@ -17912,16 +17990,35 @@
           <a:p>
             <a:r>
               <a:rPr lang="fr-FR" dirty="0" smtClean="0"/>
-              <a:t>Le projet que nous devions mené à bien nous à était donné par l'association Grand Angle. Elle Gère depuis 1996 un espace d'exposition. Ces locaux sont à la point de la technologie en terme de matériel informatique. Le bâtiment est </a:t>
-            </a:r>
-            <a:r>
-              <a:rPr lang="fr-FR" dirty="0" err="1" smtClean="0"/>
-              <a:t>entierement</a:t>
+              <a:t>Le projet que nous devions mené à bien nous à était donné par l'association Grand Angle. Elle Gère depuis 1996 un espace d'exposition. Ces locaux sont à la point de la technologie en terme de matériel informatique. Le </a:t>
             </a:r>
             <a:r>
               <a:rPr lang="fr-FR" dirty="0" smtClean="0"/>
-              <a:t> équipé de points d'accès Wifi haut-débit.</a:t>
-            </a:r>
+              <a:t>bâtiment </a:t>
+            </a:r>
+            <a:r>
+              <a:rPr lang="fr-FR" dirty="0" smtClean="0"/>
+              <a:t>est </a:t>
+            </a:r>
+            <a:r>
+              <a:rPr lang="fr-FR" dirty="0" smtClean="0"/>
+              <a:t>entièrement </a:t>
+            </a:r>
+            <a:r>
+              <a:rPr lang="fr-FR" dirty="0" smtClean="0"/>
+              <a:t>équipé de points d'accès Wifi haut-débit</a:t>
+            </a:r>
+            <a:r>
+              <a:rPr lang="fr-FR" dirty="0" smtClean="0"/>
+              <a:t>.</a:t>
+            </a:r>
+          </a:p>
+          <a:p>
+            <a:r>
+              <a:rPr lang="fr-FR" dirty="0" smtClean="0"/>
+              <a:t>Jonathan</a:t>
+            </a:r>
+            <a:endParaRPr lang="fr-FR" dirty="0" smtClean="0"/>
           </a:p>
         </p:txBody>
       </p:sp>
@@ -18003,21 +18100,7 @@
           </a:bodyPr>
           <a:lstStyle/>
           <a:p>
-            <a:pPr marL="0" marR="0" indent="0" algn="l" defTabSz="914400" rtl="0" eaLnBrk="1" fontAlgn="auto" latinLnBrk="0" hangingPunct="1">
-              <a:lnSpc>
-                <a:spcPct val="100000"/>
-              </a:lnSpc>
-              <a:spcBef>
-                <a:spcPts val="0"/>
-              </a:spcBef>
-              <a:spcAft>
-                <a:spcPts val="0"/>
-              </a:spcAft>
-              <a:buClrTx/>
-              <a:buSzTx/>
-              <a:buFontTx/>
-              <a:buNone/>
-              <a:tabLst/>
+            <a:pPr defTabSz="965881">
               <a:defRPr/>
             </a:pPr>
             <a:r>
@@ -18058,6 +18141,10 @@
             </a:r>
           </a:p>
           <a:p>
+            <a:r>
+              <a:rPr lang="fr-FR" dirty="0" smtClean="0"/>
+              <a:t>Jonathan</a:t>
+            </a:r>
             <a:endParaRPr lang="fr-FR" dirty="0"/>
           </a:p>
         </p:txBody>
@@ -18150,7 +18237,17 @@
             </a:r>
             <a:r>
               <a:rPr lang="fr-FR" dirty="0" smtClean="0"/>
-              <a:t> ainsi que les manager. L'application doit être capable de prévenir les gestionnaire si une œuvre n'est pas livré à une semaine de l'exposition.</a:t>
+              <a:t> ainsi que les manager. L'application doit être capable de prévenir les gestionnaire si une œuvre n'est pas livré à une semaine de l'exposition</a:t>
+            </a:r>
+            <a:r>
+              <a:rPr lang="fr-FR" dirty="0" smtClean="0"/>
+              <a:t>.</a:t>
+            </a:r>
+          </a:p>
+          <a:p>
+            <a:r>
+              <a:rPr lang="fr-FR" dirty="0" smtClean="0"/>
+              <a:t>Franck</a:t>
             </a:r>
             <a:endParaRPr lang="fr-FR" dirty="0"/>
           </a:p>
@@ -18236,7 +18333,22 @@
           <a:p>
             <a:r>
               <a:rPr lang="fr-FR" dirty="0" smtClean="0"/>
-              <a:t>Pour le module de gestion la demande c'est précisé par rapport au besoin initial. Donc ce module devra donc contenir la gestion d'exposition avec cycle de vie (oui en effet il fallait faire en sorte que les exposition créer ne ce chevauche pas et qu'il y est 2 jour minimum de battement entre deux expositions), ainsi que la gestion des œuvres ou la il a fallu mettre en place un système d'alerte pour que le gestionnaire soit avertie quand des œuvres ne sont pas livré à une semaine de l'exposition. </a:t>
+              <a:t>Pour le module de gestion la demande c'est précisé par rapport au besoin initial. Donc ce module devra donc contenir la gestion d'exposition avec cycle de vie (oui en effet il fallait faire en sorte que les exposition créer ne ce chevauche pas et qu'il y est 2 jour minimum de battement entre deux expositions), ainsi que la gestion des œuvres ou la il a fallu mettre en place un système </a:t>
+            </a:r>
+            <a:r>
+              <a:rPr lang="fr-FR" dirty="0" smtClean="0"/>
+              <a:t>d'alerte </a:t>
+            </a:r>
+            <a:r>
+              <a:rPr lang="fr-FR" dirty="0" smtClean="0"/>
+              <a:t>pour que le gestionnaire soit avertie quand des œuvres ne sont pas livré à une semaine de l'exposition. </a:t>
+            </a:r>
+            <a:endParaRPr lang="fr-FR" dirty="0" smtClean="0"/>
+          </a:p>
+          <a:p>
+            <a:r>
+              <a:rPr lang="fr-FR" dirty="0" smtClean="0"/>
+              <a:t>Franck</a:t>
             </a:r>
             <a:endParaRPr lang="fr-FR" dirty="0"/>
           </a:p>
@@ -18328,6 +18440,13 @@
               <a:rPr lang="fr-FR" baseline="0" dirty="0" smtClean="0"/>
               <a:t> expliquant de manière simplifié l’utilité du module de gestion. Tout d’abord les gestionnaire vont créer des œuvres et des expositions puis l’application va elle-même gérer le système d’alerte. </a:t>
             </a:r>
+            <a:endParaRPr lang="fr-FR" baseline="0" dirty="0" smtClean="0"/>
+          </a:p>
+          <a:p>
+            <a:r>
+              <a:rPr lang="fr-FR" baseline="0" dirty="0" smtClean="0"/>
+              <a:t>Jonathan</a:t>
+            </a:r>
             <a:endParaRPr lang="fr-FR" dirty="0"/>
           </a:p>
         </p:txBody>
@@ -18410,21 +18529,7 @@
           </a:bodyPr>
           <a:lstStyle/>
           <a:p>
-            <a:pPr marL="0" marR="0" indent="0" algn="l" defTabSz="914400" rtl="0" eaLnBrk="1" fontAlgn="auto" latinLnBrk="0" hangingPunct="1">
-              <a:lnSpc>
-                <a:spcPct val="100000"/>
-              </a:lnSpc>
-              <a:spcBef>
-                <a:spcPts val="0"/>
-              </a:spcBef>
-              <a:spcAft>
-                <a:spcPts val="0"/>
-              </a:spcAft>
-              <a:buClrTx/>
-              <a:buSzTx/>
-              <a:buFontTx/>
-              <a:buNone/>
-              <a:tabLst/>
+            <a:pPr defTabSz="965881">
               <a:defRPr/>
             </a:pPr>
             <a:r>
@@ -18465,6 +18570,10 @@
             </a:r>
           </a:p>
           <a:p>
+            <a:r>
+              <a:rPr lang="fr-FR" dirty="0" smtClean="0"/>
+              <a:t>Jonathan</a:t>
+            </a:r>
             <a:endParaRPr lang="fr-FR" dirty="0"/>
           </a:p>
         </p:txBody>
@@ -24503,14 +24612,40 @@
           <a:p>
             <a:r>
               <a:rPr lang="fr-FR" dirty="0" smtClean="0"/>
-              <a:t>Malgré une contrainte de temps, nous avons réussi à répondre à un grand nombre de besoin demander par le client. Mais nous sommes conscient que nous aurions pu mieux faire. </a:t>
-            </a:r>
-          </a:p>
-          <a:p>
+              <a:t>Un grand nombre de besoin </a:t>
+            </a:r>
             <a:r>
               <a:rPr lang="fr-FR" dirty="0" smtClean="0"/>
-              <a:t>L'association Grand Angle va pouvoir gérer ses expositions en toute sérénité grâce au système d'alerte de l'application.</a:t>
-            </a:r>
+              <a:t>demandé </a:t>
+            </a:r>
+            <a:r>
+              <a:rPr lang="fr-FR" dirty="0" smtClean="0"/>
+              <a:t>par le client répondu. </a:t>
+            </a:r>
+          </a:p>
+          <a:p>
+            <a:r>
+              <a:rPr lang="fr-FR" dirty="0" smtClean="0"/>
+              <a:t>Expositions en toute sérénité grâce au système d'alerte de l'application.</a:t>
+            </a:r>
+          </a:p>
+          <a:p>
+            <a:r>
+              <a:rPr lang="fr-FR" dirty="0" smtClean="0"/>
+              <a:t>Nous avons priorisé le module de gestion</a:t>
+            </a:r>
+          </a:p>
+          <a:p>
+            <a:r>
+              <a:rPr lang="fr-FR" dirty="0" smtClean="0"/>
+              <a:t>Quelques fonctionnalités sont absentes dans le module de visite interactive. </a:t>
+            </a:r>
+          </a:p>
+          <a:p>
+            <a:pPr>
+              <a:buNone/>
+            </a:pPr>
+            <a:endParaRPr lang="fr-FR" dirty="0" smtClean="0"/>
           </a:p>
           <a:p>
             <a:endParaRPr lang="fr-FR" dirty="0" smtClean="0"/>
